--- a/assets/Collegeville23WorkshopImages.pptx
+++ b/assets/Collegeville23WorkshopImages.pptx
@@ -17934,7 +17934,7 @@
           <a:p>
             <a:fld id="{02AC24A9-CCB6-4F8D-B8DB-C2F3692CFA5A}" type="datetimeFigureOut">
               <a:rPr lang="en-US" smtClean="0"/>
-              <a:t>4/6/22</a:t>
+              <a:t>6/9/22</a:t>
             </a:fld>
             <a:endParaRPr lang="en-US" dirty="0"/>
           </a:p>
@@ -18304,7 +18304,7 @@
           <a:p>
             <a:fld id="{02AC24A9-CCB6-4F8D-B8DB-C2F3692CFA5A}" type="datetimeFigureOut">
               <a:rPr lang="en-US" smtClean="0"/>
-              <a:t>4/6/22</a:t>
+              <a:t>6/9/22</a:t>
             </a:fld>
             <a:endParaRPr lang="en-US"/>
           </a:p>
@@ -18513,7 +18513,7 @@
           <a:p>
             <a:fld id="{02AC24A9-CCB6-4F8D-B8DB-C2F3692CFA5A}" type="datetimeFigureOut">
               <a:rPr lang="en-US" smtClean="0"/>
-              <a:t>4/6/22</a:t>
+              <a:t>6/9/22</a:t>
             </a:fld>
             <a:endParaRPr lang="en-US"/>
           </a:p>
@@ -18983,7 +18983,7 @@
           <a:p>
             <a:fld id="{02AC24A9-CCB6-4F8D-B8DB-C2F3692CFA5A}" type="datetimeFigureOut">
               <a:rPr lang="en-US" smtClean="0"/>
-              <a:t>4/6/22</a:t>
+              <a:t>6/9/22</a:t>
             </a:fld>
             <a:endParaRPr lang="en-US"/>
           </a:p>
@@ -19437,7 +19437,7 @@
           <a:p>
             <a:fld id="{02AC24A9-CCB6-4F8D-B8DB-C2F3692CFA5A}" type="datetimeFigureOut">
               <a:rPr lang="en-US" smtClean="0"/>
-              <a:t>4/6/22</a:t>
+              <a:t>6/9/22</a:t>
             </a:fld>
             <a:endParaRPr lang="en-US"/>
           </a:p>
@@ -19969,7 +19969,7 @@
           <a:p>
             <a:fld id="{02AC24A9-CCB6-4F8D-B8DB-C2F3692CFA5A}" type="datetimeFigureOut">
               <a:rPr lang="en-US" smtClean="0"/>
-              <a:t>4/6/22</a:t>
+              <a:t>6/9/22</a:t>
             </a:fld>
             <a:endParaRPr lang="en-US"/>
           </a:p>
@@ -20668,7 +20668,7 @@
           <a:p>
             <a:fld id="{02AC24A9-CCB6-4F8D-B8DB-C2F3692CFA5A}" type="datetimeFigureOut">
               <a:rPr lang="en-US" smtClean="0"/>
-              <a:t>4/6/22</a:t>
+              <a:t>6/9/22</a:t>
             </a:fld>
             <a:endParaRPr lang="en-US"/>
           </a:p>
@@ -20997,7 +20997,7 @@
           <a:p>
             <a:fld id="{02AC24A9-CCB6-4F8D-B8DB-C2F3692CFA5A}" type="datetimeFigureOut">
               <a:rPr lang="en-US" smtClean="0"/>
-              <a:t>4/6/22</a:t>
+              <a:t>6/9/22</a:t>
             </a:fld>
             <a:endParaRPr lang="en-US"/>
           </a:p>
@@ -21110,7 +21110,7 @@
           <a:p>
             <a:fld id="{02AC24A9-CCB6-4F8D-B8DB-C2F3692CFA5A}" type="datetimeFigureOut">
               <a:rPr lang="en-US" smtClean="0"/>
-              <a:t>4/6/22</a:t>
+              <a:t>6/9/22</a:t>
             </a:fld>
             <a:endParaRPr lang="en-US"/>
           </a:p>
@@ -21605,7 +21605,7 @@
           <a:p>
             <a:fld id="{02AC24A9-CCB6-4F8D-B8DB-C2F3692CFA5A}" type="datetimeFigureOut">
               <a:rPr lang="en-US" smtClean="0"/>
-              <a:t>4/6/22</a:t>
+              <a:t>6/9/22</a:t>
             </a:fld>
             <a:endParaRPr lang="en-US" dirty="0"/>
           </a:p>
@@ -22082,7 +22082,7 @@
           <a:p>
             <a:fld id="{02AC24A9-CCB6-4F8D-B8DB-C2F3692CFA5A}" type="datetimeFigureOut">
               <a:rPr lang="en-US" smtClean="0"/>
-              <a:t>4/6/22</a:t>
+              <a:t>6/9/22</a:t>
             </a:fld>
             <a:endParaRPr lang="en-US"/>
           </a:p>
@@ -22325,7 +22325,7 @@
           <a:p>
             <a:fld id="{02AC24A9-CCB6-4F8D-B8DB-C2F3692CFA5A}" type="datetimeFigureOut">
               <a:rPr lang="en-US" smtClean="0"/>
-              <a:t>4/6/22</a:t>
+              <a:t>6/9/22</a:t>
             </a:fld>
             <a:endParaRPr lang="en-US"/>
           </a:p>
@@ -23153,7 +23153,7 @@
                   <a:schemeClr val="bg1"/>
                 </a:solidFill>
               </a:rPr>
-              <a:t>2022 Collegeville Workshop on Scientific Software</a:t>
+              <a:t>2023 Collegeville Workshop on Scientific Software</a:t>
             </a:r>
             <a:br>
               <a:rPr lang="en-US" sz="5100" dirty="0">
@@ -23183,7 +23183,15 @@
                   <a:schemeClr val="bg1"/>
                 </a:solidFill>
               </a:rPr>
-              <a:t>July 25 – 29, 2022</a:t>
+              <a:t>July 24 – 27</a:t>
+            </a:r>
+            <a:r>
+              <a:rPr lang="en-US" sz="3200">
+                <a:solidFill>
+                  <a:schemeClr val="bg1"/>
+                </a:solidFill>
+              </a:rPr>
+              <a:t>, 2023</a:t>
             </a:r>
             <a:br>
               <a:rPr lang="en-US" sz="3200" dirty="0">
@@ -23214,7 +23222,7 @@
                   <a:schemeClr val="bg1"/>
                 </a:solidFill>
               </a:rPr>
-              <a:t>/CW22</a:t>
+              <a:t>/CW23</a:t>
             </a:r>
             <a:endParaRPr lang="en-US" sz="5100" dirty="0">
               <a:solidFill>
@@ -24130,7 +24138,7 @@
             </a:br>
             <a:r>
               <a:rPr lang="en-US" sz="1800" dirty="0"/>
-              <a:t>July 25 – 29, 2022</a:t>
+              <a:t>July 24 – 27, 2022</a:t>
             </a:r>
             <a:endParaRPr lang="en-US" dirty="0"/>
           </a:p>
@@ -24244,7 +24252,7 @@
             <p:ph idx="1"/>
             <p:extLst>
               <p:ext uri="{D42A27DB-BD31-4B8C-83A1-F6EECF244321}">
-                <p14:modId xmlns:p14="http://schemas.microsoft.com/office/powerpoint/2010/main" val="2054600813"/>
+                <p14:modId xmlns:p14="http://schemas.microsoft.com/office/powerpoint/2010/main" val="3953095366"/>
               </p:ext>
             </p:extLst>
           </p:nvPr>
@@ -24368,7 +24376,7 @@
                             </a:schemeClr>
                           </a:solidFill>
                         </a:rPr>
-                        <a:t>July 25:</a:t>
+                        <a:t>July 24:</a:t>
                       </a:r>
                     </a:p>
                     <a:p>
@@ -24427,7 +24435,7 @@
                             </a:schemeClr>
                           </a:solidFill>
                         </a:rPr>
-                        <a:t>July 26: Teams Definitions &amp; Challenges</a:t>
+                        <a:t>July 25: Teams Definitions &amp; Challenges</a:t>
                       </a:r>
                     </a:p>
                   </a:txBody>
@@ -24473,7 +24481,7 @@
                             </a:schemeClr>
                           </a:solidFill>
                         </a:rPr>
-                        <a:t>July 27: Technical Approaches to Improve Teams</a:t>
+                        <a:t>July 26: Technical Approaches to Improve Teams</a:t>
                       </a:r>
                     </a:p>
                   </a:txBody>
@@ -24515,7 +24523,7 @@
                             </a:schemeClr>
                           </a:solidFill>
                         </a:rPr>
-                        <a:t>July 28: Cultural Approaches to Improve Teams</a:t>
+                        <a:t>July 27: Cultural Approaches to Improve Teams</a:t>
                       </a:r>
                     </a:p>
                   </a:txBody>
@@ -24561,7 +24569,7 @@
                             </a:schemeClr>
                           </a:solidFill>
                         </a:rPr>
-                        <a:t>July 29:</a:t>
+                        <a:t>July 28:</a:t>
                       </a:r>
                     </a:p>
                     <a:p>
